--- a/Prog presentation.pptx
+++ b/Prog presentation.pptx
@@ -9,11 +9,12 @@
     <p:sldId id="257" r:id="rId3"/>
     <p:sldId id="259" r:id="rId4"/>
     <p:sldId id="258" r:id="rId5"/>
-    <p:sldId id="260" r:id="rId6"/>
-    <p:sldId id="262" r:id="rId7"/>
-    <p:sldId id="264" r:id="rId8"/>
-    <p:sldId id="263" r:id="rId9"/>
-    <p:sldId id="261" r:id="rId10"/>
+    <p:sldId id="265" r:id="rId6"/>
+    <p:sldId id="260" r:id="rId7"/>
+    <p:sldId id="262" r:id="rId8"/>
+    <p:sldId id="264" r:id="rId9"/>
+    <p:sldId id="263" r:id="rId10"/>
+    <p:sldId id="261" r:id="rId11"/>
   </p:sldIdLst>
   <p:sldSz cx="12192000" cy="6858000"/>
   <p:notesSz cx="6858000" cy="9144000"/>
@@ -112,6 +113,11 @@
       </a:defRPr>
     </a:lvl9pPr>
   </p:defaultTextStyle>
+  <p:extLst>
+    <p:ext uri="{EFAFB233-063F-42B5-8137-9DF3F51BA10A}">
+      <p15:sldGuideLst xmlns:p15="http://schemas.microsoft.com/office/powerpoint/2012/main"/>
+    </p:ext>
+  </p:extLst>
 </p:presentation>
 </file>
 
@@ -6557,7 +6563,7 @@
           <a:p>
             <a:fld id="{3CBD9591-8D3A-45CB-83A3-670A8BB76DAC}" type="datetimeFigureOut">
               <a:rPr lang="en-CH" smtClean="0"/>
-              <a:t>15/12/2021</a:t>
+              <a:t>16/12/2021</a:t>
             </a:fld>
             <a:endParaRPr lang="en-CH"/>
           </a:p>
@@ -6757,7 +6763,7 @@
           <a:p>
             <a:fld id="{3CBD9591-8D3A-45CB-83A3-670A8BB76DAC}" type="datetimeFigureOut">
               <a:rPr lang="en-CH" smtClean="0"/>
-              <a:t>15/12/2021</a:t>
+              <a:t>16/12/2021</a:t>
             </a:fld>
             <a:endParaRPr lang="en-CH"/>
           </a:p>
@@ -6967,7 +6973,7 @@
           <a:p>
             <a:fld id="{3CBD9591-8D3A-45CB-83A3-670A8BB76DAC}" type="datetimeFigureOut">
               <a:rPr lang="en-CH" smtClean="0"/>
-              <a:t>15/12/2021</a:t>
+              <a:t>16/12/2021</a:t>
             </a:fld>
             <a:endParaRPr lang="en-CH"/>
           </a:p>
@@ -7167,7 +7173,7 @@
           <a:p>
             <a:fld id="{3CBD9591-8D3A-45CB-83A3-670A8BB76DAC}" type="datetimeFigureOut">
               <a:rPr lang="en-CH" smtClean="0"/>
-              <a:t>15/12/2021</a:t>
+              <a:t>16/12/2021</a:t>
             </a:fld>
             <a:endParaRPr lang="en-CH"/>
           </a:p>
@@ -7443,7 +7449,7 @@
           <a:p>
             <a:fld id="{3CBD9591-8D3A-45CB-83A3-670A8BB76DAC}" type="datetimeFigureOut">
               <a:rPr lang="en-CH" smtClean="0"/>
-              <a:t>15/12/2021</a:t>
+              <a:t>16/12/2021</a:t>
             </a:fld>
             <a:endParaRPr lang="en-CH"/>
           </a:p>
@@ -7711,7 +7717,7 @@
           <a:p>
             <a:fld id="{3CBD9591-8D3A-45CB-83A3-670A8BB76DAC}" type="datetimeFigureOut">
               <a:rPr lang="en-CH" smtClean="0"/>
-              <a:t>15/12/2021</a:t>
+              <a:t>16/12/2021</a:t>
             </a:fld>
             <a:endParaRPr lang="en-CH"/>
           </a:p>
@@ -8126,7 +8132,7 @@
           <a:p>
             <a:fld id="{3CBD9591-8D3A-45CB-83A3-670A8BB76DAC}" type="datetimeFigureOut">
               <a:rPr lang="en-CH" smtClean="0"/>
-              <a:t>15/12/2021</a:t>
+              <a:t>16/12/2021</a:t>
             </a:fld>
             <a:endParaRPr lang="en-CH"/>
           </a:p>
@@ -8268,7 +8274,7 @@
           <a:p>
             <a:fld id="{3CBD9591-8D3A-45CB-83A3-670A8BB76DAC}" type="datetimeFigureOut">
               <a:rPr lang="en-CH" smtClean="0"/>
-              <a:t>15/12/2021</a:t>
+              <a:t>16/12/2021</a:t>
             </a:fld>
             <a:endParaRPr lang="en-CH"/>
           </a:p>
@@ -8381,7 +8387,7 @@
           <a:p>
             <a:fld id="{3CBD9591-8D3A-45CB-83A3-670A8BB76DAC}" type="datetimeFigureOut">
               <a:rPr lang="en-CH" smtClean="0"/>
-              <a:t>15/12/2021</a:t>
+              <a:t>16/12/2021</a:t>
             </a:fld>
             <a:endParaRPr lang="en-CH"/>
           </a:p>
@@ -8694,7 +8700,7 @@
           <a:p>
             <a:fld id="{3CBD9591-8D3A-45CB-83A3-670A8BB76DAC}" type="datetimeFigureOut">
               <a:rPr lang="en-CH" smtClean="0"/>
-              <a:t>15/12/2021</a:t>
+              <a:t>16/12/2021</a:t>
             </a:fld>
             <a:endParaRPr lang="en-CH"/>
           </a:p>
@@ -8983,7 +8989,7 @@
           <a:p>
             <a:fld id="{3CBD9591-8D3A-45CB-83A3-670A8BB76DAC}" type="datetimeFigureOut">
               <a:rPr lang="en-CH" smtClean="0"/>
-              <a:t>15/12/2021</a:t>
+              <a:t>16/12/2021</a:t>
             </a:fld>
             <a:endParaRPr lang="en-CH"/>
           </a:p>
@@ -9226,7 +9232,7 @@
           <a:p>
             <a:fld id="{3CBD9591-8D3A-45CB-83A3-670A8BB76DAC}" type="datetimeFigureOut">
               <a:rPr lang="en-CH" smtClean="0"/>
-              <a:t>15/12/2021</a:t>
+              <a:t>16/12/2021</a:t>
             </a:fld>
             <a:endParaRPr lang="en-CH"/>
           </a:p>
@@ -9966,6 +9972,354 @@
 </p:sld>
 </file>
 
+<file path=ppt/slides/slide10.xml><?xml version="1.0" encoding="utf-8"?>
+<p:sld xmlns:a="http://schemas.openxmlformats.org/drawingml/2006/main" xmlns:r="http://schemas.openxmlformats.org/officeDocument/2006/relationships" xmlns:p="http://schemas.openxmlformats.org/presentationml/2006/main">
+  <p:cSld>
+    <p:bg>
+      <p:bgPr>
+        <a:solidFill>
+          <a:schemeClr val="bg1"/>
+        </a:solidFill>
+        <a:effectLst/>
+      </p:bgPr>
+    </p:bg>
+    <p:spTree>
+      <p:nvGrpSpPr>
+        <p:cNvPr id="1" name=""/>
+        <p:cNvGrpSpPr/>
+        <p:nvPr/>
+      </p:nvGrpSpPr>
+      <p:grpSpPr>
+        <a:xfrm>
+          <a:off x="0" y="0"/>
+          <a:ext cx="0" cy="0"/>
+          <a:chOff x="0" y="0"/>
+          <a:chExt cx="0" cy="0"/>
+        </a:xfrm>
+      </p:grpSpPr>
+      <p:sp>
+        <p:nvSpPr>
+          <p:cNvPr id="2" name="Title 1">
+            <a:extLst>
+              <a:ext uri="{FF2B5EF4-FFF2-40B4-BE49-F238E27FC236}">
+                <a16:creationId xmlns:a16="http://schemas.microsoft.com/office/drawing/2014/main" id="{4FFBB164-BFA1-4BEC-B775-0A6622FF3376}"/>
+              </a:ext>
+            </a:extLst>
+          </p:cNvPr>
+          <p:cNvSpPr>
+            <a:spLocks noGrp="1"/>
+          </p:cNvSpPr>
+          <p:nvPr>
+            <p:ph type="title"/>
+          </p:nvPr>
+        </p:nvSpPr>
+        <p:spPr>
+          <a:xfrm>
+            <a:off x="8045751" y="629266"/>
+            <a:ext cx="3667039" cy="1676603"/>
+          </a:xfrm>
+        </p:spPr>
+        <p:txBody>
+          <a:bodyPr>
+            <a:normAutofit/>
+          </a:bodyPr>
+          <a:lstStyle/>
+          <a:p>
+            <a:r>
+              <a:rPr lang="en-US" sz="4000"/>
+              <a:t>Results enhancement</a:t>
+            </a:r>
+            <a:endParaRPr lang="en-CH" sz="4000"/>
+          </a:p>
+        </p:txBody>
+      </p:sp>
+      <p:sp>
+        <p:nvSpPr>
+          <p:cNvPr id="10" name="Rectangle 9">
+            <a:extLst>
+              <a:ext uri="{FF2B5EF4-FFF2-40B4-BE49-F238E27FC236}">
+                <a16:creationId xmlns:a16="http://schemas.microsoft.com/office/drawing/2014/main" id="{577D1452-F0B7-431E-9A24-D3F7103D8510}"/>
+              </a:ext>
+              <a:ext uri="{C183D7F6-B498-43B3-948B-1728B52AA6E4}">
+                <adec:decorative xmlns:adec="http://schemas.microsoft.com/office/drawing/2017/decorative" val="1"/>
+              </a:ext>
+            </a:extLst>
+          </p:cNvPr>
+          <p:cNvSpPr>
+            <a:spLocks noGrp="1" noRot="1" noChangeAspect="1" noMove="1" noResize="1" noEditPoints="1" noAdjustHandles="1" noChangeArrowheads="1" noChangeShapeType="1" noTextEdit="1"/>
+          </p:cNvSpPr>
+          <p:nvPr>
+            <p:extLst>
+              <p:ext uri="{386F3935-93C4-4BCD-93E2-E3B085C9AB24}">
+                <p16:designElem xmlns:p16="http://schemas.microsoft.com/office/powerpoint/2015/main" val="1"/>
+              </p:ext>
+            </p:extLst>
+          </p:nvPr>
+        </p:nvSpPr>
+        <p:spPr>
+          <a:xfrm>
+            <a:off x="0" y="0"/>
+            <a:ext cx="7552944" cy="6858000"/>
+          </a:xfrm>
+          <a:prstGeom prst="rect">
+            <a:avLst/>
+          </a:prstGeom>
+          <a:solidFill>
+            <a:srgbClr val="C8CACA"/>
+          </a:solidFill>
+          <a:ln>
+            <a:noFill/>
+          </a:ln>
+        </p:spPr>
+        <p:style>
+          <a:lnRef idx="2">
+            <a:schemeClr val="accent1">
+              <a:shade val="50000"/>
+            </a:schemeClr>
+          </a:lnRef>
+          <a:fillRef idx="1">
+            <a:schemeClr val="accent1"/>
+          </a:fillRef>
+          <a:effectRef idx="0">
+            <a:schemeClr val="accent1"/>
+          </a:effectRef>
+          <a:fontRef idx="minor">
+            <a:schemeClr val="lt1"/>
+          </a:fontRef>
+        </p:style>
+        <p:txBody>
+          <a:bodyPr rtlCol="0" anchor="ctr"/>
+          <a:lstStyle/>
+          <a:p>
+            <a:pPr marL="0" marR="0" lvl="0" indent="0" algn="ctr" defTabSz="914400" rtl="0" eaLnBrk="1" fontAlgn="auto" latinLnBrk="0" hangingPunct="1">
+              <a:lnSpc>
+                <a:spcPct val="100000"/>
+              </a:lnSpc>
+              <a:spcBef>
+                <a:spcPts val="0"/>
+              </a:spcBef>
+              <a:spcAft>
+                <a:spcPts val="0"/>
+              </a:spcAft>
+              <a:buClrTx/>
+              <a:buSzTx/>
+              <a:buFontTx/>
+              <a:buNone/>
+              <a:tabLst/>
+              <a:defRPr/>
+            </a:pPr>
+            <a:endParaRPr kumimoji="0" lang="en-US" sz="1800" b="0" i="0" u="none" strike="noStrike" kern="1200" cap="none" spc="0" normalizeH="0" baseline="0" noProof="0">
+              <a:ln>
+                <a:noFill/>
+              </a:ln>
+              <a:solidFill>
+                <a:prstClr val="white"/>
+              </a:solidFill>
+              <a:effectLst/>
+              <a:uLnTx/>
+              <a:uFillTx/>
+              <a:latin typeface="Calibri" panose="020F0502020204030204"/>
+              <a:ea typeface="+mn-ea"/>
+              <a:cs typeface="+mn-cs"/>
+            </a:endParaRPr>
+          </a:p>
+        </p:txBody>
+      </p:sp>
+      <p:sp>
+        <p:nvSpPr>
+          <p:cNvPr id="12" name="Rounded Rectangle 20">
+            <a:extLst>
+              <a:ext uri="{FF2B5EF4-FFF2-40B4-BE49-F238E27FC236}">
+                <a16:creationId xmlns:a16="http://schemas.microsoft.com/office/drawing/2014/main" id="{A660F4F9-5DF5-4F15-BE6A-CD8648BB1148}"/>
+              </a:ext>
+              <a:ext uri="{C183D7F6-B498-43B3-948B-1728B52AA6E4}">
+                <adec:decorative xmlns:adec="http://schemas.microsoft.com/office/drawing/2017/decorative" val="1"/>
+              </a:ext>
+            </a:extLst>
+          </p:cNvPr>
+          <p:cNvSpPr>
+            <a:spLocks noGrp="1" noRot="1" noChangeAspect="1" noMove="1" noResize="1" noEditPoints="1" noAdjustHandles="1" noChangeArrowheads="1" noChangeShapeType="1" noTextEdit="1"/>
+          </p:cNvSpPr>
+          <p:nvPr>
+            <p:extLst>
+              <p:ext uri="{386F3935-93C4-4BCD-93E2-E3B085C9AB24}">
+                <p16:designElem xmlns:p16="http://schemas.microsoft.com/office/powerpoint/2015/main" val="1"/>
+              </p:ext>
+            </p:extLst>
+          </p:nvPr>
+        </p:nvSpPr>
+        <p:spPr>
+          <a:xfrm>
+            <a:off x="479211" y="559407"/>
+            <a:ext cx="6594522" cy="5739187"/>
+          </a:xfrm>
+          <a:prstGeom prst="roundRect">
+            <a:avLst>
+              <a:gd name="adj" fmla="val 0"/>
+            </a:avLst>
+          </a:prstGeom>
+          <a:solidFill>
+            <a:srgbClr val="FFFFFF"/>
+          </a:solidFill>
+          <a:ln w="9525">
+            <a:solidFill>
+              <a:srgbClr val="C8CACA"/>
+            </a:solidFill>
+          </a:ln>
+          <a:effectLst>
+            <a:outerShdw blurRad="57150" dist="19050" dir="5400000" algn="t" rotWithShape="0">
+              <a:prstClr val="black">
+                <a:alpha val="63000"/>
+              </a:prstClr>
+            </a:outerShdw>
+          </a:effectLst>
+        </p:spPr>
+        <p:style>
+          <a:lnRef idx="2">
+            <a:schemeClr val="accent1">
+              <a:shade val="50000"/>
+            </a:schemeClr>
+          </a:lnRef>
+          <a:fillRef idx="1">
+            <a:schemeClr val="accent1"/>
+          </a:fillRef>
+          <a:effectRef idx="0">
+            <a:schemeClr val="accent1"/>
+          </a:effectRef>
+          <a:fontRef idx="minor">
+            <a:schemeClr val="lt1"/>
+          </a:fontRef>
+        </p:style>
+        <p:txBody>
+          <a:bodyPr rtlCol="0" anchor="ctr"/>
+          <a:lstStyle/>
+          <a:p>
+            <a:pPr marL="0" marR="0" lvl="0" indent="0" algn="ctr" defTabSz="914400" rtl="0" eaLnBrk="1" fontAlgn="auto" latinLnBrk="0" hangingPunct="1">
+              <a:lnSpc>
+                <a:spcPct val="100000"/>
+              </a:lnSpc>
+              <a:spcBef>
+                <a:spcPts val="0"/>
+              </a:spcBef>
+              <a:spcAft>
+                <a:spcPts val="0"/>
+              </a:spcAft>
+              <a:buClrTx/>
+              <a:buSzTx/>
+              <a:buFontTx/>
+              <a:buNone/>
+              <a:tabLst/>
+              <a:defRPr/>
+            </a:pPr>
+            <a:endParaRPr kumimoji="0" lang="en-US" sz="1800" b="0" i="0" u="none" strike="noStrike" kern="1200" cap="none" spc="0" normalizeH="0" baseline="0" noProof="0">
+              <a:ln>
+                <a:noFill/>
+              </a:ln>
+              <a:solidFill>
+                <a:prstClr val="white"/>
+              </a:solidFill>
+              <a:effectLst/>
+              <a:uLnTx/>
+              <a:uFillTx/>
+              <a:latin typeface="Calibri" panose="020F0502020204030204"/>
+              <a:ea typeface="+mn-ea"/>
+              <a:cs typeface="+mn-cs"/>
+            </a:endParaRPr>
+          </a:p>
+        </p:txBody>
+      </p:sp>
+      <p:pic>
+        <p:nvPicPr>
+          <p:cNvPr id="5" name="Picture 4" descr="Chart&#10;&#10;Description automatically generated">
+            <a:extLst>
+              <a:ext uri="{FF2B5EF4-FFF2-40B4-BE49-F238E27FC236}">
+                <a16:creationId xmlns:a16="http://schemas.microsoft.com/office/drawing/2014/main" id="{B5A94723-996C-4C5A-8C79-46CDAFAD6B13}"/>
+              </a:ext>
+            </a:extLst>
+          </p:cNvPr>
+          <p:cNvPicPr>
+            <a:picLocks noChangeAspect="1"/>
+          </p:cNvPicPr>
+          <p:nvPr/>
+        </p:nvPicPr>
+        <p:blipFill>
+          <a:blip r:embed="rId2">
+            <a:extLst>
+              <a:ext uri="{28A0092B-C50C-407E-A947-70E740481C1C}">
+                <a14:useLocalDpi xmlns:a14="http://schemas.microsoft.com/office/drawing/2010/main" val="0"/>
+              </a:ext>
+            </a:extLst>
+          </a:blip>
+          <a:stretch>
+            <a:fillRect/>
+          </a:stretch>
+        </p:blipFill>
+        <p:spPr>
+          <a:xfrm>
+            <a:off x="744142" y="1442824"/>
+            <a:ext cx="6064660" cy="3972351"/>
+          </a:xfrm>
+          <a:prstGeom prst="rect">
+            <a:avLst/>
+          </a:prstGeom>
+          <a:effectLst/>
+        </p:spPr>
+      </p:pic>
+      <p:sp>
+        <p:nvSpPr>
+          <p:cNvPr id="3" name="Content Placeholder 2">
+            <a:extLst>
+              <a:ext uri="{FF2B5EF4-FFF2-40B4-BE49-F238E27FC236}">
+                <a16:creationId xmlns:a16="http://schemas.microsoft.com/office/drawing/2014/main" id="{1B65ECD5-405F-406C-A7DE-077970E6A609}"/>
+              </a:ext>
+            </a:extLst>
+          </p:cNvPr>
+          <p:cNvSpPr>
+            <a:spLocks noGrp="1"/>
+          </p:cNvSpPr>
+          <p:nvPr>
+            <p:ph idx="1"/>
+          </p:nvPr>
+        </p:nvSpPr>
+        <p:spPr>
+          <a:xfrm>
+            <a:off x="8045753" y="2449214"/>
+            <a:ext cx="3667036" cy="3779520"/>
+          </a:xfrm>
+        </p:spPr>
+        <p:txBody>
+          <a:bodyPr>
+            <a:normAutofit/>
+          </a:bodyPr>
+          <a:lstStyle/>
+          <a:p>
+            <a:r>
+              <a:rPr lang="en-US" sz="1800"/>
+              <a:t>Adding general variance</a:t>
+            </a:r>
+          </a:p>
+          <a:p>
+            <a:r>
+              <a:rPr lang="en-US" sz="1800"/>
+              <a:t>New data processing</a:t>
+            </a:r>
+            <a:endParaRPr lang="en-CH" sz="1800"/>
+          </a:p>
+        </p:txBody>
+      </p:sp>
+    </p:spTree>
+    <p:extLst>
+      <p:ext uri="{BB962C8B-B14F-4D97-AF65-F5344CB8AC3E}">
+        <p14:creationId xmlns:p14="http://schemas.microsoft.com/office/powerpoint/2010/main" val="2292021679"/>
+      </p:ext>
+    </p:extLst>
+  </p:cSld>
+  <p:clrMapOvr>
+    <a:masterClrMapping/>
+  </p:clrMapOvr>
+</p:sld>
+</file>
+
 <file path=ppt/slides/slide2.xml><?xml version="1.0" encoding="utf-8"?>
 <p:sld xmlns:a="http://schemas.openxmlformats.org/drawingml/2006/main" xmlns:r="http://schemas.openxmlformats.org/officeDocument/2006/relationships" xmlns:p="http://schemas.openxmlformats.org/presentationml/2006/main">
   <p:cSld>
@@ -10975,7 +11329,7 @@
           <p:cNvPr id="2" name="Title 1">
             <a:extLst>
               <a:ext uri="{FF2B5EF4-FFF2-40B4-BE49-F238E27FC236}">
-                <a16:creationId xmlns:a16="http://schemas.microsoft.com/office/drawing/2014/main" id="{1F9BC102-3872-4A50-83A6-B3B4DC769D8F}"/>
+                <a16:creationId xmlns:a16="http://schemas.microsoft.com/office/drawing/2014/main" id="{94F50E54-7809-4979-8B60-65D6041F3550}"/>
               </a:ext>
             </a:extLst>
           </p:cNvPr>
@@ -10992,8 +11346,8 @@
           <a:lstStyle/>
           <a:p>
             <a:r>
-              <a:rPr lang="en-US"/>
-              <a:t>Model</a:t>
+              <a:rPr lang="en-US" dirty="0"/>
+              <a:t>Data transfers</a:t>
             </a:r>
             <a:endParaRPr lang="en-CH" dirty="0"/>
           </a:p>
@@ -11004,7 +11358,7 @@
           <p:cNvPr id="3" name="Content Placeholder 2">
             <a:extLst>
               <a:ext uri="{FF2B5EF4-FFF2-40B4-BE49-F238E27FC236}">
-                <a16:creationId xmlns:a16="http://schemas.microsoft.com/office/drawing/2014/main" id="{838716FB-595E-4DF5-B7F8-DD03762E6F72}"/>
+                <a16:creationId xmlns:a16="http://schemas.microsoft.com/office/drawing/2014/main" id="{0A63E50A-7474-4E16-BB11-E7A754E5E736}"/>
               </a:ext>
             </a:extLst>
           </p:cNvPr>
@@ -11015,42 +11369,31 @@
             <p:ph idx="1"/>
           </p:nvPr>
         </p:nvSpPr>
-        <p:spPr>
-          <a:xfrm>
-            <a:off x="1125426" y="1372545"/>
-            <a:ext cx="10515600" cy="4351338"/>
-          </a:xfrm>
-        </p:spPr>
+        <p:spPr/>
         <p:txBody>
           <a:bodyPr/>
           <a:lstStyle/>
           <a:p>
             <a:r>
               <a:rPr lang="en-US" dirty="0"/>
-              <a:t>Start data</a:t>
+              <a:t>We could illustrate our previous slide here? Maybe is it </a:t>
             </a:r>
-          </a:p>
-          <a:p>
+            <a:r>
+              <a:rPr lang="en-US" dirty="0" err="1"/>
+              <a:t>superflu</a:t>
+            </a:r>
             <a:r>
               <a:rPr lang="en-US" dirty="0"/>
-              <a:t>Computing data</a:t>
+              <a:t>? </a:t>
             </a:r>
-          </a:p>
-          <a:p>
-            <a:r>
-              <a:rPr lang="en-US" dirty="0"/>
-              <a:t>Output analysis</a:t>
-            </a:r>
-          </a:p>
-          <a:p>
-            <a:endParaRPr lang="en-US" dirty="0"/>
+            <a:endParaRPr lang="en-CH" dirty="0"/>
           </a:p>
         </p:txBody>
       </p:sp>
     </p:spTree>
     <p:extLst>
       <p:ext uri="{BB962C8B-B14F-4D97-AF65-F5344CB8AC3E}">
-        <p14:creationId xmlns:p14="http://schemas.microsoft.com/office/powerpoint/2010/main" val="1551132899"/>
+        <p14:creationId xmlns:p14="http://schemas.microsoft.com/office/powerpoint/2010/main" val="1361582916"/>
       </p:ext>
     </p:extLst>
   </p:cSld>
@@ -11082,7 +11425,7 @@
           <p:cNvPr id="2" name="Title 1">
             <a:extLst>
               <a:ext uri="{FF2B5EF4-FFF2-40B4-BE49-F238E27FC236}">
-                <a16:creationId xmlns:a16="http://schemas.microsoft.com/office/drawing/2014/main" id="{D7C79F20-D30D-4ADD-9C08-604F52A994A0}"/>
+                <a16:creationId xmlns:a16="http://schemas.microsoft.com/office/drawing/2014/main" id="{1F9BC102-3872-4A50-83A6-B3B4DC769D8F}"/>
               </a:ext>
             </a:extLst>
           </p:cNvPr>
@@ -11099,10 +11442,236 @@
           <a:lstStyle/>
           <a:p>
             <a:r>
+              <a:rPr lang="en-US"/>
+              <a:t>Model</a:t>
+            </a:r>
+            <a:endParaRPr lang="en-CH" dirty="0"/>
+          </a:p>
+        </p:txBody>
+      </p:sp>
+      <p:sp>
+        <p:nvSpPr>
+          <p:cNvPr id="3" name="Content Placeholder 2">
+            <a:extLst>
+              <a:ext uri="{FF2B5EF4-FFF2-40B4-BE49-F238E27FC236}">
+                <a16:creationId xmlns:a16="http://schemas.microsoft.com/office/drawing/2014/main" id="{838716FB-595E-4DF5-B7F8-DD03762E6F72}"/>
+              </a:ext>
+            </a:extLst>
+          </p:cNvPr>
+          <p:cNvSpPr>
+            <a:spLocks noGrp="1"/>
+          </p:cNvSpPr>
+          <p:nvPr>
+            <p:ph idx="1"/>
+          </p:nvPr>
+        </p:nvSpPr>
+        <p:spPr>
+          <a:xfrm>
+            <a:off x="1125426" y="1372545"/>
+            <a:ext cx="10515600" cy="4351338"/>
+          </a:xfrm>
+        </p:spPr>
+        <p:txBody>
+          <a:bodyPr/>
+          <a:lstStyle/>
+          <a:p>
+            <a:r>
               <a:rPr lang="en-US" dirty="0"/>
               <a:t>Start data</a:t>
             </a:r>
-            <a:endParaRPr lang="en-CH" dirty="0"/>
+          </a:p>
+          <a:p>
+            <a:r>
+              <a:rPr lang="en-US" dirty="0"/>
+              <a:t>Computing data</a:t>
+            </a:r>
+          </a:p>
+          <a:p>
+            <a:r>
+              <a:rPr lang="en-US" dirty="0"/>
+              <a:t>Output analysis</a:t>
+            </a:r>
+          </a:p>
+          <a:p>
+            <a:endParaRPr lang="en-US" dirty="0"/>
+          </a:p>
+        </p:txBody>
+      </p:sp>
+    </p:spTree>
+    <p:extLst>
+      <p:ext uri="{BB962C8B-B14F-4D97-AF65-F5344CB8AC3E}">
+        <p14:creationId xmlns:p14="http://schemas.microsoft.com/office/powerpoint/2010/main" val="1551132899"/>
+      </p:ext>
+    </p:extLst>
+  </p:cSld>
+  <p:clrMapOvr>
+    <a:masterClrMapping/>
+  </p:clrMapOvr>
+</p:sld>
+</file>
+
+<file path=ppt/slides/slide7.xml><?xml version="1.0" encoding="utf-8"?>
+<p:sld xmlns:a="http://schemas.openxmlformats.org/drawingml/2006/main" xmlns:r="http://schemas.openxmlformats.org/officeDocument/2006/relationships" xmlns:p="http://schemas.openxmlformats.org/presentationml/2006/main">
+  <p:cSld>
+    <p:bg>
+      <p:bgPr>
+        <a:solidFill>
+          <a:schemeClr val="bg1"/>
+        </a:solidFill>
+        <a:effectLst/>
+      </p:bgPr>
+    </p:bg>
+    <p:spTree>
+      <p:nvGrpSpPr>
+        <p:cNvPr id="1" name=""/>
+        <p:cNvGrpSpPr/>
+        <p:nvPr/>
+      </p:nvGrpSpPr>
+      <p:grpSpPr>
+        <a:xfrm>
+          <a:off x="0" y="0"/>
+          <a:ext cx="0" cy="0"/>
+          <a:chOff x="0" y="0"/>
+          <a:chExt cx="0" cy="0"/>
+        </a:xfrm>
+      </p:grpSpPr>
+      <p:sp>
+        <p:nvSpPr>
+          <p:cNvPr id="10" name="Rectangle 9">
+            <a:extLst>
+              <a:ext uri="{FF2B5EF4-FFF2-40B4-BE49-F238E27FC236}">
+                <a16:creationId xmlns:a16="http://schemas.microsoft.com/office/drawing/2014/main" id="{E8D41CF8-5232-42BC-8D05-AFEDE215398E}"/>
+              </a:ext>
+              <a:ext uri="{C183D7F6-B498-43B3-948B-1728B52AA6E4}">
+                <adec:decorative xmlns:adec="http://schemas.microsoft.com/office/drawing/2017/decorative" val="1"/>
+              </a:ext>
+            </a:extLst>
+          </p:cNvPr>
+          <p:cNvSpPr>
+            <a:spLocks noGrp="1" noRot="1" noChangeAspect="1" noMove="1" noResize="1" noEditPoints="1" noAdjustHandles="1" noChangeArrowheads="1" noChangeShapeType="1" noTextEdit="1"/>
+          </p:cNvSpPr>
+          <p:nvPr>
+            <p:extLst>
+              <p:ext uri="{386F3935-93C4-4BCD-93E2-E3B085C9AB24}">
+                <p16:designElem xmlns:p16="http://schemas.microsoft.com/office/powerpoint/2015/main" val="1"/>
+              </p:ext>
+            </p:extLst>
+          </p:nvPr>
+        </p:nvSpPr>
+        <p:spPr>
+          <a:xfrm>
+            <a:off x="0" y="-11256"/>
+            <a:ext cx="12192000" cy="6869256"/>
+          </a:xfrm>
+          <a:prstGeom prst="rect">
+            <a:avLst/>
+          </a:prstGeom>
+          <a:solidFill>
+            <a:schemeClr val="bg1">
+              <a:lumMod val="85000"/>
+              <a:alpha val="70000"/>
+            </a:schemeClr>
+          </a:solidFill>
+          <a:ln>
+            <a:noFill/>
+          </a:ln>
+        </p:spPr>
+        <p:style>
+          <a:lnRef idx="2">
+            <a:schemeClr val="accent1">
+              <a:shade val="50000"/>
+            </a:schemeClr>
+          </a:lnRef>
+          <a:fillRef idx="1">
+            <a:schemeClr val="accent1"/>
+          </a:fillRef>
+          <a:effectRef idx="0">
+            <a:schemeClr val="accent1"/>
+          </a:effectRef>
+          <a:fontRef idx="minor">
+            <a:schemeClr val="lt1"/>
+          </a:fontRef>
+        </p:style>
+        <p:txBody>
+          <a:bodyPr rtlCol="0" anchor="ctr"/>
+          <a:lstStyle/>
+          <a:p>
+            <a:pPr algn="ctr"/>
+            <a:endParaRPr lang="en-US" dirty="0"/>
+          </a:p>
+        </p:txBody>
+      </p:sp>
+      <p:sp>
+        <p:nvSpPr>
+          <p:cNvPr id="12" name="Rounded Rectangle 5">
+            <a:extLst>
+              <a:ext uri="{FF2B5EF4-FFF2-40B4-BE49-F238E27FC236}">
+                <a16:creationId xmlns:a16="http://schemas.microsoft.com/office/drawing/2014/main" id="{49237091-E62C-4878-AA4C-0B9995ADB28F}"/>
+              </a:ext>
+              <a:ext uri="{C183D7F6-B498-43B3-948B-1728B52AA6E4}">
+                <adec:decorative xmlns:adec="http://schemas.microsoft.com/office/drawing/2017/decorative" val="1"/>
+              </a:ext>
+            </a:extLst>
+          </p:cNvPr>
+          <p:cNvSpPr>
+            <a:spLocks noGrp="1" noRot="1" noChangeAspect="1" noMove="1" noResize="1" noEditPoints="1" noAdjustHandles="1" noChangeArrowheads="1" noChangeShapeType="1" noTextEdit="1"/>
+          </p:cNvSpPr>
+          <p:nvPr>
+            <p:extLst>
+              <p:ext uri="{386F3935-93C4-4BCD-93E2-E3B085C9AB24}">
+                <p16:designElem xmlns:p16="http://schemas.microsoft.com/office/powerpoint/2015/main" val="1"/>
+              </p:ext>
+            </p:extLst>
+          </p:nvPr>
+        </p:nvSpPr>
+        <p:spPr>
+          <a:xfrm>
+            <a:off x="838200" y="1828801"/>
+            <a:ext cx="10515600" cy="4362450"/>
+          </a:xfrm>
+          <a:prstGeom prst="roundRect">
+            <a:avLst>
+              <a:gd name="adj" fmla="val 0"/>
+            </a:avLst>
+          </a:prstGeom>
+          <a:solidFill>
+            <a:srgbClr val="FFFFFF"/>
+          </a:solidFill>
+          <a:ln w="9525">
+            <a:solidFill>
+              <a:srgbClr val="C8CACA"/>
+            </a:solidFill>
+          </a:ln>
+          <a:effectLst>
+            <a:outerShdw blurRad="57150" dist="19050" dir="5400000" algn="t" rotWithShape="0">
+              <a:prstClr val="black">
+                <a:alpha val="63000"/>
+              </a:prstClr>
+            </a:outerShdw>
+          </a:effectLst>
+        </p:spPr>
+        <p:style>
+          <a:lnRef idx="2">
+            <a:schemeClr val="accent1">
+              <a:shade val="50000"/>
+            </a:schemeClr>
+          </a:lnRef>
+          <a:fillRef idx="1">
+            <a:schemeClr val="accent1"/>
+          </a:fillRef>
+          <a:effectRef idx="0">
+            <a:schemeClr val="accent1"/>
+          </a:effectRef>
+          <a:fontRef idx="minor">
+            <a:schemeClr val="lt1"/>
+          </a:fontRef>
+        </p:style>
+        <p:txBody>
+          <a:bodyPr rtlCol="0" anchor="ctr"/>
+          <a:lstStyle/>
+          <a:p>
+            <a:pPr algn="ctr"/>
+            <a:endParaRPr lang="en-US"/>
           </a:p>
         </p:txBody>
       </p:sp>
@@ -11137,13 +11706,12 @@
         </p:blipFill>
         <p:spPr bwMode="auto">
           <a:xfrm>
-            <a:off x="921042" y="1690688"/>
-            <a:ext cx="5947686" cy="4351338"/>
+            <a:off x="1157288" y="2166938"/>
+            <a:ext cx="5062538" cy="3684588"/>
           </a:xfrm>
           <a:prstGeom prst="rect">
             <a:avLst/>
           </a:prstGeom>
-          <a:noFill/>
           <a:extLst>
             <a:ext uri="{909E8E84-426E-40DD-AFC4-6F175D3DCCD1}">
               <a14:hiddenFill xmlns:a14="http://schemas.microsoft.com/office/drawing/2010/main">
@@ -11184,8 +11752,342 @@
         </p:blipFill>
         <p:spPr bwMode="auto">
           <a:xfrm>
-            <a:off x="7163084" y="1991754"/>
-            <a:ext cx="4410075" cy="3438525"/>
+            <a:off x="6288088" y="2166938"/>
+            <a:ext cx="4745038" cy="3684588"/>
+          </a:xfrm>
+          <a:prstGeom prst="rect">
+            <a:avLst/>
+          </a:prstGeom>
+          <a:extLst>
+            <a:ext uri="{909E8E84-426E-40DD-AFC4-6F175D3DCCD1}">
+              <a14:hiddenFill xmlns:a14="http://schemas.microsoft.com/office/drawing/2010/main">
+                <a:solidFill>
+                  <a:srgbClr val="FFFFFF"/>
+                </a:solidFill>
+              </a14:hiddenFill>
+            </a:ext>
+          </a:extLst>
+        </p:spPr>
+      </p:pic>
+      <p:sp>
+        <p:nvSpPr>
+          <p:cNvPr id="2" name="Title 1">
+            <a:extLst>
+              <a:ext uri="{FF2B5EF4-FFF2-40B4-BE49-F238E27FC236}">
+                <a16:creationId xmlns:a16="http://schemas.microsoft.com/office/drawing/2014/main" id="{D7C79F20-D30D-4ADD-9C08-604F52A994A0}"/>
+              </a:ext>
+            </a:extLst>
+          </p:cNvPr>
+          <p:cNvSpPr>
+            <a:spLocks noGrp="1"/>
+          </p:cNvSpPr>
+          <p:nvPr>
+            <p:ph type="title"/>
+          </p:nvPr>
+        </p:nvSpPr>
+        <p:spPr>
+          <a:xfrm>
+            <a:off x="838200" y="365125"/>
+            <a:ext cx="10515600" cy="1325563"/>
+          </a:xfrm>
+        </p:spPr>
+        <p:txBody>
+          <a:bodyPr vert="horz" lIns="91440" tIns="45720" rIns="91440" bIns="45720" rtlCol="0" anchor="ctr">
+            <a:normAutofit/>
+          </a:bodyPr>
+          <a:lstStyle/>
+          <a:p>
+            <a:r>
+              <a:rPr lang="en-US" kern="1200">
+                <a:solidFill>
+                  <a:schemeClr val="tx1"/>
+                </a:solidFill>
+                <a:latin typeface="+mj-lt"/>
+                <a:ea typeface="+mj-ea"/>
+                <a:cs typeface="+mj-cs"/>
+              </a:rPr>
+              <a:t>Start data</a:t>
+            </a:r>
+          </a:p>
+        </p:txBody>
+      </p:sp>
+    </p:spTree>
+    <p:extLst>
+      <p:ext uri="{BB962C8B-B14F-4D97-AF65-F5344CB8AC3E}">
+        <p14:creationId xmlns:p14="http://schemas.microsoft.com/office/powerpoint/2010/main" val="3952716830"/>
+      </p:ext>
+    </p:extLst>
+  </p:cSld>
+  <p:clrMapOvr>
+    <a:masterClrMapping/>
+  </p:clrMapOvr>
+</p:sld>
+</file>
+
+<file path=ppt/slides/slide8.xml><?xml version="1.0" encoding="utf-8"?>
+<p:sld xmlns:a="http://schemas.openxmlformats.org/drawingml/2006/main" xmlns:r="http://schemas.openxmlformats.org/officeDocument/2006/relationships" xmlns:p="http://schemas.openxmlformats.org/presentationml/2006/main">
+  <p:cSld>
+    <p:bg>
+      <p:bgPr>
+        <a:solidFill>
+          <a:schemeClr val="bg1"/>
+        </a:solidFill>
+        <a:effectLst/>
+      </p:bgPr>
+    </p:bg>
+    <p:spTree>
+      <p:nvGrpSpPr>
+        <p:cNvPr id="1" name=""/>
+        <p:cNvGrpSpPr/>
+        <p:nvPr/>
+      </p:nvGrpSpPr>
+      <p:grpSpPr>
+        <a:xfrm>
+          <a:off x="0" y="0"/>
+          <a:ext cx="0" cy="0"/>
+          <a:chOff x="0" y="0"/>
+          <a:chExt cx="0" cy="0"/>
+        </a:xfrm>
+      </p:grpSpPr>
+      <p:sp>
+        <p:nvSpPr>
+          <p:cNvPr id="1028" name="Rectangle 70">
+            <a:extLst>
+              <a:ext uri="{FF2B5EF4-FFF2-40B4-BE49-F238E27FC236}">
+                <a16:creationId xmlns:a16="http://schemas.microsoft.com/office/drawing/2014/main" id="{AB45A142-4255-493C-8284-5D566C121B10}"/>
+              </a:ext>
+              <a:ext uri="{C183D7F6-B498-43B3-948B-1728B52AA6E4}">
+                <adec:decorative xmlns:adec="http://schemas.microsoft.com/office/drawing/2017/decorative" val="1"/>
+              </a:ext>
+            </a:extLst>
+          </p:cNvPr>
+          <p:cNvSpPr>
+            <a:spLocks noGrp="1" noRot="1" noChangeAspect="1" noMove="1" noResize="1" noEditPoints="1" noAdjustHandles="1" noChangeArrowheads="1" noChangeShapeType="1" noTextEdit="1"/>
+          </p:cNvSpPr>
+          <p:nvPr>
+            <p:extLst>
+              <p:ext uri="{386F3935-93C4-4BCD-93E2-E3B085C9AB24}">
+                <p16:designElem xmlns:p16="http://schemas.microsoft.com/office/powerpoint/2015/main" val="1"/>
+              </p:ext>
+            </p:extLst>
+          </p:nvPr>
+        </p:nvSpPr>
+        <p:spPr bwMode="ltGray">
+          <a:xfrm>
+            <a:off x="336884" y="321177"/>
+            <a:ext cx="4332307" cy="6179552"/>
+          </a:xfrm>
+          <a:prstGeom prst="rect">
+            <a:avLst/>
+          </a:prstGeom>
+          <a:solidFill>
+            <a:srgbClr val="404040">
+              <a:alpha val="89804"/>
+            </a:srgbClr>
+          </a:solidFill>
+          <a:ln w="127000" cap="sq" cmpd="thinThick">
+            <a:solidFill>
+              <a:srgbClr val="595959">
+                <a:alpha val="80000"/>
+              </a:srgbClr>
+            </a:solidFill>
+          </a:ln>
+        </p:spPr>
+        <p:style>
+          <a:lnRef idx="2">
+            <a:schemeClr val="accent1">
+              <a:shade val="50000"/>
+            </a:schemeClr>
+          </a:lnRef>
+          <a:fillRef idx="1">
+            <a:schemeClr val="accent1"/>
+          </a:fillRef>
+          <a:effectRef idx="0">
+            <a:schemeClr val="accent1"/>
+          </a:effectRef>
+          <a:fontRef idx="minor">
+            <a:schemeClr val="lt1"/>
+          </a:fontRef>
+        </p:style>
+        <p:txBody>
+          <a:bodyPr rtlCol="0" anchor="ctr"/>
+          <a:lstStyle/>
+          <a:p>
+            <a:pPr algn="ctr"/>
+            <a:endParaRPr lang="en-US"/>
+          </a:p>
+        </p:txBody>
+      </p:sp>
+      <p:sp>
+        <p:nvSpPr>
+          <p:cNvPr id="2" name="Title 1">
+            <a:extLst>
+              <a:ext uri="{FF2B5EF4-FFF2-40B4-BE49-F238E27FC236}">
+                <a16:creationId xmlns:a16="http://schemas.microsoft.com/office/drawing/2014/main" id="{D1129F22-7A1A-4A7B-9748-ECC6E58FD57A}"/>
+              </a:ext>
+            </a:extLst>
+          </p:cNvPr>
+          <p:cNvSpPr>
+            <a:spLocks noGrp="1"/>
+          </p:cNvSpPr>
+          <p:nvPr>
+            <p:ph type="title"/>
+          </p:nvPr>
+        </p:nvSpPr>
+        <p:spPr>
+          <a:xfrm>
+            <a:off x="674237" y="914400"/>
+            <a:ext cx="3657600" cy="2887579"/>
+          </a:xfrm>
+        </p:spPr>
+        <p:txBody>
+          <a:bodyPr vert="horz" lIns="91440" tIns="45720" rIns="91440" bIns="45720" rtlCol="0" anchor="b">
+            <a:normAutofit/>
+          </a:bodyPr>
+          <a:lstStyle/>
+          <a:p>
+            <a:pPr algn="ctr"/>
+            <a:r>
+              <a:rPr lang="en-US" sz="4800" kern="1200">
+                <a:solidFill>
+                  <a:srgbClr val="FFFFFF"/>
+                </a:solidFill>
+                <a:latin typeface="+mj-lt"/>
+                <a:ea typeface="+mj-ea"/>
+                <a:cs typeface="+mj-cs"/>
+              </a:rPr>
+              <a:t>Computing data</a:t>
+            </a:r>
+          </a:p>
+        </p:txBody>
+      </p:sp>
+      <p:sp>
+        <p:nvSpPr>
+          <p:cNvPr id="3" name="Content Placeholder 2">
+            <a:extLst>
+              <a:ext uri="{FF2B5EF4-FFF2-40B4-BE49-F238E27FC236}">
+                <a16:creationId xmlns:a16="http://schemas.microsoft.com/office/drawing/2014/main" id="{04DE46AF-40C7-457C-B985-03C18BDF9C45}"/>
+              </a:ext>
+            </a:extLst>
+          </p:cNvPr>
+          <p:cNvSpPr>
+            <a:spLocks noGrp="1"/>
+          </p:cNvSpPr>
+          <p:nvPr>
+            <p:ph idx="1"/>
+          </p:nvPr>
+        </p:nvSpPr>
+        <p:spPr>
+          <a:xfrm>
+            <a:off x="674237" y="4170501"/>
+            <a:ext cx="3657600" cy="1525597"/>
+          </a:xfrm>
+        </p:spPr>
+        <p:txBody>
+          <a:bodyPr vert="horz" lIns="91440" tIns="45720" rIns="91440" bIns="45720" rtlCol="0">
+            <a:normAutofit/>
+          </a:bodyPr>
+          <a:lstStyle/>
+          <a:p>
+            <a:pPr marL="0" indent="0" algn="ctr">
+              <a:buNone/>
+            </a:pPr>
+            <a:r>
+              <a:rPr lang="en-US" sz="2000" kern="1200" dirty="0">
+                <a:solidFill>
+                  <a:srgbClr val="FFFFFF"/>
+                </a:solidFill>
+                <a:latin typeface="+mn-lt"/>
+                <a:ea typeface="+mn-ea"/>
+                <a:cs typeface="+mn-cs"/>
+              </a:rPr>
+              <a:t>Following highlighted part of a standard waste incineration plant</a:t>
+            </a:r>
+          </a:p>
+        </p:txBody>
+      </p:sp>
+      <p:cxnSp>
+        <p:nvCxnSpPr>
+          <p:cNvPr id="1029" name="Straight Connector 72">
+            <a:extLst>
+              <a:ext uri="{FF2B5EF4-FFF2-40B4-BE49-F238E27FC236}">
+                <a16:creationId xmlns:a16="http://schemas.microsoft.com/office/drawing/2014/main" id="{38FB9660-F42F-4313-BBC4-47C007FE484C}"/>
+              </a:ext>
+              <a:ext uri="{C183D7F6-B498-43B3-948B-1728B52AA6E4}">
+                <adec:decorative xmlns:adec="http://schemas.microsoft.com/office/drawing/2017/decorative" val="1"/>
+              </a:ext>
+            </a:extLst>
+          </p:cNvPr>
+          <p:cNvCxnSpPr>
+            <a:cxnSpLocks noGrp="1" noRot="1" noChangeAspect="1" noMove="1" noResize="1" noEditPoints="1" noAdjustHandles="1" noChangeArrowheads="1" noChangeShapeType="1"/>
+          </p:cNvCxnSpPr>
+          <p:nvPr>
+            <p:extLst>
+              <p:ext uri="{386F3935-93C4-4BCD-93E2-E3B085C9AB24}">
+                <p16:designElem xmlns:p16="http://schemas.microsoft.com/office/powerpoint/2015/main" val="1"/>
+              </p:ext>
+            </p:extLst>
+          </p:nvPr>
+        </p:nvCxnSpPr>
+        <p:spPr>
+          <a:xfrm>
+            <a:off x="1191126" y="3910267"/>
+            <a:ext cx="2586790" cy="0"/>
+          </a:xfrm>
+          <a:prstGeom prst="line">
+            <a:avLst/>
+          </a:prstGeom>
+          <a:ln w="22225">
+            <a:solidFill>
+              <a:srgbClr val="D9D9D9"/>
+            </a:solidFill>
+          </a:ln>
+        </p:spPr>
+        <p:style>
+          <a:lnRef idx="1">
+            <a:schemeClr val="accent1"/>
+          </a:lnRef>
+          <a:fillRef idx="0">
+            <a:schemeClr val="accent1"/>
+          </a:fillRef>
+          <a:effectRef idx="0">
+            <a:schemeClr val="accent1"/>
+          </a:effectRef>
+          <a:fontRef idx="minor">
+            <a:schemeClr val="tx1"/>
+          </a:fontRef>
+        </p:style>
+      </p:cxnSp>
+      <p:pic>
+        <p:nvPicPr>
+          <p:cNvPr id="1026" name="Picture 2">
+            <a:extLst>
+              <a:ext uri="{FF2B5EF4-FFF2-40B4-BE49-F238E27FC236}">
+                <a16:creationId xmlns:a16="http://schemas.microsoft.com/office/drawing/2014/main" id="{661CBB21-D1A2-457D-B15F-C5EAE1DEC8FB}"/>
+              </a:ext>
+            </a:extLst>
+          </p:cNvPr>
+          <p:cNvPicPr>
+            <a:picLocks noChangeAspect="1" noChangeArrowheads="1"/>
+          </p:cNvPicPr>
+          <p:nvPr/>
+        </p:nvPicPr>
+        <p:blipFill>
+          <a:blip r:embed="rId2">
+            <a:extLst>
+              <a:ext uri="{28A0092B-C50C-407E-A947-70E740481C1C}">
+                <a14:useLocalDpi xmlns:a14="http://schemas.microsoft.com/office/drawing/2010/main" val="0"/>
+              </a:ext>
+            </a:extLst>
+          </a:blip>
+          <a:stretch>
+            <a:fillRect/>
+          </a:stretch>
+        </p:blipFill>
+        <p:spPr bwMode="auto">
+          <a:xfrm>
+            <a:off x="5153822" y="991776"/>
+            <a:ext cx="6553545" cy="4882390"/>
           </a:xfrm>
           <a:prstGeom prst="rect">
             <a:avLst/>
@@ -11202,87 +12104,54 @@
           </a:extLst>
         </p:spPr>
       </p:pic>
-    </p:spTree>
-    <p:extLst>
-      <p:ext uri="{BB962C8B-B14F-4D97-AF65-F5344CB8AC3E}">
-        <p14:creationId xmlns:p14="http://schemas.microsoft.com/office/powerpoint/2010/main" val="3952716830"/>
-      </p:ext>
-    </p:extLst>
-  </p:cSld>
-  <p:clrMapOvr>
-    <a:masterClrMapping/>
-  </p:clrMapOvr>
-</p:sld>
-</file>
-
-<file path=ppt/slides/slide7.xml><?xml version="1.0" encoding="utf-8"?>
-<p:sld xmlns:a="http://schemas.openxmlformats.org/drawingml/2006/main" xmlns:r="http://schemas.openxmlformats.org/officeDocument/2006/relationships" xmlns:p="http://schemas.openxmlformats.org/presentationml/2006/main">
-  <p:cSld>
-    <p:spTree>
-      <p:nvGrpSpPr>
-        <p:cNvPr id="1" name=""/>
-        <p:cNvGrpSpPr/>
-        <p:nvPr/>
-      </p:nvGrpSpPr>
-      <p:grpSpPr>
-        <a:xfrm>
-          <a:off x="0" y="0"/>
-          <a:ext cx="0" cy="0"/>
-          <a:chOff x="0" y="0"/>
-          <a:chExt cx="0" cy="0"/>
-        </a:xfrm>
-      </p:grpSpPr>
       <p:sp>
         <p:nvSpPr>
-          <p:cNvPr id="2" name="Title 1">
+          <p:cNvPr id="4" name="Rectangle 3">
             <a:extLst>
               <a:ext uri="{FF2B5EF4-FFF2-40B4-BE49-F238E27FC236}">
-                <a16:creationId xmlns:a16="http://schemas.microsoft.com/office/drawing/2014/main" id="{D1129F22-7A1A-4A7B-9748-ECC6E58FD57A}"/>
+                <a16:creationId xmlns:a16="http://schemas.microsoft.com/office/drawing/2014/main" id="{FEB22630-9F1B-428E-90D2-DCDC138E5BF2}"/>
               </a:ext>
             </a:extLst>
           </p:cNvPr>
-          <p:cNvSpPr>
-            <a:spLocks noGrp="1"/>
-          </p:cNvSpPr>
-          <p:nvPr>
-            <p:ph type="title"/>
-          </p:nvPr>
+          <p:cNvSpPr/>
+          <p:nvPr/>
         </p:nvSpPr>
-        <p:spPr/>
+        <p:spPr>
+          <a:xfrm>
+            <a:off x="5186079" y="1869989"/>
+            <a:ext cx="3949683" cy="3995352"/>
+          </a:xfrm>
+          <a:prstGeom prst="rect">
+            <a:avLst/>
+          </a:prstGeom>
+          <a:noFill/>
+          <a:ln w="28575">
+            <a:solidFill>
+              <a:srgbClr val="FF0000"/>
+            </a:solidFill>
+            <a:prstDash val="dash"/>
+          </a:ln>
+        </p:spPr>
+        <p:style>
+          <a:lnRef idx="2">
+            <a:schemeClr val="accent6"/>
+          </a:lnRef>
+          <a:fillRef idx="1">
+            <a:schemeClr val="lt1"/>
+          </a:fillRef>
+          <a:effectRef idx="0">
+            <a:schemeClr val="accent6"/>
+          </a:effectRef>
+          <a:fontRef idx="minor">
+            <a:schemeClr val="dk1"/>
+          </a:fontRef>
+        </p:style>
         <p:txBody>
-          <a:bodyPr/>
+          <a:bodyPr rtlCol="0" anchor="ctr"/>
           <a:lstStyle/>
           <a:p>
-            <a:r>
-              <a:rPr lang="en-US" dirty="0"/>
-              <a:t>Computing data</a:t>
-            </a:r>
-            <a:endParaRPr lang="en-CH" dirty="0"/>
-          </a:p>
-        </p:txBody>
-      </p:sp>
-      <p:sp>
-        <p:nvSpPr>
-          <p:cNvPr id="3" name="Content Placeholder 2">
-            <a:extLst>
-              <a:ext uri="{FF2B5EF4-FFF2-40B4-BE49-F238E27FC236}">
-                <a16:creationId xmlns:a16="http://schemas.microsoft.com/office/drawing/2014/main" id="{04DE46AF-40C7-457C-B985-03C18BDF9C45}"/>
-              </a:ext>
-            </a:extLst>
-          </p:cNvPr>
-          <p:cNvSpPr>
-            <a:spLocks noGrp="1"/>
-          </p:cNvSpPr>
-          <p:nvPr>
-            <p:ph idx="1"/>
-          </p:nvPr>
-        </p:nvSpPr>
-        <p:spPr/>
-        <p:txBody>
-          <a:bodyPr/>
-          <a:lstStyle/>
-          <a:p>
-            <a:endParaRPr lang="en-CH" dirty="0"/>
+            <a:pPr algn="ctr"/>
+            <a:endParaRPr lang="en-CH"/>
           </a:p>
         </p:txBody>
       </p:sp>
@@ -11299,9 +12168,17 @@
 </p:sld>
 </file>
 
-<file path=ppt/slides/slide8.xml><?xml version="1.0" encoding="utf-8"?>
+<file path=ppt/slides/slide9.xml><?xml version="1.0" encoding="utf-8"?>
 <p:sld xmlns:a="http://schemas.openxmlformats.org/drawingml/2006/main" xmlns:r="http://schemas.openxmlformats.org/officeDocument/2006/relationships" xmlns:p="http://schemas.openxmlformats.org/presentationml/2006/main">
   <p:cSld>
+    <p:bg>
+      <p:bgPr>
+        <a:solidFill>
+          <a:schemeClr val="bg1"/>
+        </a:solidFill>
+        <a:effectLst/>
+      </p:bgPr>
+    </p:bg>
     <p:spTree>
       <p:nvGrpSpPr>
         <p:cNvPr id="1" name=""/>
@@ -11332,16 +12209,160 @@
             <p:ph type="title"/>
           </p:nvPr>
         </p:nvSpPr>
-        <p:spPr/>
+        <p:spPr>
+          <a:xfrm>
+            <a:off x="990600" y="338328"/>
+            <a:ext cx="10210800" cy="1078992"/>
+          </a:xfrm>
+        </p:spPr>
         <p:txBody>
-          <a:bodyPr/>
+          <a:bodyPr vert="horz" lIns="91440" tIns="45720" rIns="91440" bIns="45720" rtlCol="0" anchor="b">
+            <a:normAutofit/>
+          </a:bodyPr>
           <a:lstStyle/>
           <a:p>
+            <a:pPr algn="ctr"/>
             <a:r>
-              <a:rPr lang="en-US" dirty="0"/>
+              <a:rPr lang="en-US" sz="5400" dirty="0"/>
               <a:t>Output analysis</a:t>
             </a:r>
-            <a:endParaRPr lang="en-CH" dirty="0"/>
+          </a:p>
+        </p:txBody>
+      </p:sp>
+      <p:sp>
+        <p:nvSpPr>
+          <p:cNvPr id="10" name="Rectangle 9">
+            <a:extLst>
+              <a:ext uri="{FF2B5EF4-FFF2-40B4-BE49-F238E27FC236}">
+                <a16:creationId xmlns:a16="http://schemas.microsoft.com/office/drawing/2014/main" id="{70BDD0CE-06A4-404B-8A13-580229C1C923}"/>
+              </a:ext>
+              <a:ext uri="{C183D7F6-B498-43B3-948B-1728B52AA6E4}">
+                <adec:decorative xmlns:adec="http://schemas.microsoft.com/office/drawing/2017/decorative" val="1"/>
+              </a:ext>
+            </a:extLst>
+          </p:cNvPr>
+          <p:cNvSpPr>
+            <a:spLocks noGrp="1" noRot="1" noChangeAspect="1" noMove="1" noResize="1" noEditPoints="1" noAdjustHandles="1" noChangeArrowheads="1" noChangeShapeType="1" noTextEdit="1"/>
+          </p:cNvSpPr>
+          <p:nvPr>
+            <p:extLst>
+              <p:ext uri="{386F3935-93C4-4BCD-93E2-E3B085C9AB24}">
+                <p16:designElem xmlns:p16="http://schemas.microsoft.com/office/powerpoint/2015/main" val="1"/>
+              </p:ext>
+            </p:extLst>
+          </p:nvPr>
+        </p:nvSpPr>
+        <p:spPr>
+          <a:xfrm>
+            <a:off x="0" y="2141750"/>
+            <a:ext cx="12192000" cy="4716250"/>
+          </a:xfrm>
+          <a:prstGeom prst="rect">
+            <a:avLst/>
+          </a:prstGeom>
+          <a:solidFill>
+            <a:srgbClr val="C8CACA"/>
+          </a:solidFill>
+          <a:ln>
+            <a:noFill/>
+          </a:ln>
+        </p:spPr>
+        <p:style>
+          <a:lnRef idx="2">
+            <a:schemeClr val="accent1">
+              <a:shade val="50000"/>
+            </a:schemeClr>
+          </a:lnRef>
+          <a:fillRef idx="1">
+            <a:schemeClr val="accent1"/>
+          </a:fillRef>
+          <a:effectRef idx="0">
+            <a:schemeClr val="accent1"/>
+          </a:effectRef>
+          <a:fontRef idx="minor">
+            <a:schemeClr val="lt1"/>
+          </a:fontRef>
+        </p:style>
+        <p:txBody>
+          <a:bodyPr rtlCol="0" anchor="ctr"/>
+          <a:lstStyle/>
+          <a:p>
+            <a:pPr algn="ctr"/>
+            <a:endParaRPr lang="en-US"/>
+          </a:p>
+        </p:txBody>
+      </p:sp>
+      <p:sp>
+        <p:nvSpPr>
+          <p:cNvPr id="12" name="Rounded Rectangle 26">
+            <a:extLst>
+              <a:ext uri="{FF2B5EF4-FFF2-40B4-BE49-F238E27FC236}">
+                <a16:creationId xmlns:a16="http://schemas.microsoft.com/office/drawing/2014/main" id="{EE9899FA-8881-472C-AA59-D08A89CA8AEF}"/>
+              </a:ext>
+              <a:ext uri="{C183D7F6-B498-43B3-948B-1728B52AA6E4}">
+                <adec:decorative xmlns:adec="http://schemas.microsoft.com/office/drawing/2017/decorative" val="1"/>
+              </a:ext>
+            </a:extLst>
+          </p:cNvPr>
+          <p:cNvSpPr>
+            <a:spLocks noGrp="1" noRot="1" noChangeAspect="1" noMove="1" noResize="1" noEditPoints="1" noAdjustHandles="1" noChangeArrowheads="1" noChangeShapeType="1" noTextEdit="1"/>
+          </p:cNvSpPr>
+          <p:nvPr>
+            <p:extLst>
+              <p:ext uri="{386F3935-93C4-4BCD-93E2-E3B085C9AB24}">
+                <p16:designElem xmlns:p16="http://schemas.microsoft.com/office/powerpoint/2015/main" val="1"/>
+              </p:ext>
+            </p:extLst>
+          </p:nvPr>
+        </p:nvSpPr>
+        <p:spPr>
+          <a:xfrm>
+            <a:off x="321564" y="2423160"/>
+            <a:ext cx="5613569" cy="3930315"/>
+          </a:xfrm>
+          <a:prstGeom prst="roundRect">
+            <a:avLst>
+              <a:gd name="adj" fmla="val 0"/>
+            </a:avLst>
+          </a:prstGeom>
+          <a:solidFill>
+            <a:srgbClr val="FFFFFF"/>
+          </a:solidFill>
+          <a:ln w="9525">
+            <a:solidFill>
+              <a:srgbClr val="C8CACA"/>
+            </a:solidFill>
+          </a:ln>
+          <a:effectLst>
+            <a:outerShdw blurRad="57150" dist="19050" dir="5400000" algn="t" rotWithShape="0">
+              <a:prstClr val="black">
+                <a:alpha val="63000"/>
+              </a:prstClr>
+            </a:outerShdw>
+          </a:effectLst>
+        </p:spPr>
+        <p:style>
+          <a:lnRef idx="2">
+            <a:schemeClr val="accent1">
+              <a:shade val="50000"/>
+            </a:schemeClr>
+          </a:lnRef>
+          <a:fillRef idx="1">
+            <a:schemeClr val="accent1"/>
+          </a:fillRef>
+          <a:effectRef idx="0">
+            <a:schemeClr val="accent1"/>
+          </a:effectRef>
+          <a:fontRef idx="minor">
+            <a:schemeClr val="lt1"/>
+          </a:fontRef>
+        </p:style>
+        <p:txBody>
+          <a:bodyPr rtlCol="0" anchor="ctr"/>
+          <a:lstStyle/>
+          <a:p>
+            <a:pPr algn="ctr"/>
+            <a:endParaRPr lang="en-US"/>
           </a:p>
         </p:txBody>
       </p:sp>
@@ -11375,150 +12396,94 @@
         </p:blipFill>
         <p:spPr>
           <a:xfrm>
-            <a:off x="4957754" y="2603490"/>
-            <a:ext cx="2276492" cy="2795608"/>
+            <a:off x="1786027" y="2742397"/>
+            <a:ext cx="2680578" cy="3291840"/>
           </a:xfrm>
           <a:prstGeom prst="rect">
             <a:avLst/>
           </a:prstGeom>
         </p:spPr>
       </p:pic>
-    </p:spTree>
-    <p:extLst>
-      <p:ext uri="{BB962C8B-B14F-4D97-AF65-F5344CB8AC3E}">
-        <p14:creationId xmlns:p14="http://schemas.microsoft.com/office/powerpoint/2010/main" val="393489844"/>
-      </p:ext>
-    </p:extLst>
-  </p:cSld>
-  <p:clrMapOvr>
-    <a:masterClrMapping/>
-  </p:clrMapOvr>
-</p:sld>
-</file>
-
-<file path=ppt/slides/slide9.xml><?xml version="1.0" encoding="utf-8"?>
-<p:sld xmlns:a="http://schemas.openxmlformats.org/drawingml/2006/main" xmlns:r="http://schemas.openxmlformats.org/officeDocument/2006/relationships" xmlns:p="http://schemas.openxmlformats.org/presentationml/2006/main">
-  <p:cSld>
-    <p:spTree>
-      <p:nvGrpSpPr>
-        <p:cNvPr id="1" name=""/>
-        <p:cNvGrpSpPr/>
-        <p:nvPr/>
-      </p:nvGrpSpPr>
-      <p:grpSpPr>
-        <a:xfrm>
-          <a:off x="0" y="0"/>
-          <a:ext cx="0" cy="0"/>
-          <a:chOff x="0" y="0"/>
-          <a:chExt cx="0" cy="0"/>
-        </a:xfrm>
-      </p:grpSpPr>
       <p:sp>
         <p:nvSpPr>
-          <p:cNvPr id="2" name="Title 1">
+          <p:cNvPr id="14" name="Rounded Rectangle 16">
             <a:extLst>
               <a:ext uri="{FF2B5EF4-FFF2-40B4-BE49-F238E27FC236}">
-                <a16:creationId xmlns:a16="http://schemas.microsoft.com/office/drawing/2014/main" id="{4FFBB164-BFA1-4BEC-B775-0A6622FF3376}"/>
+                <a16:creationId xmlns:a16="http://schemas.microsoft.com/office/drawing/2014/main" id="{080B7D90-3DF1-4514-B26D-616BE35553C9}"/>
+              </a:ext>
+              <a:ext uri="{C183D7F6-B498-43B3-948B-1728B52AA6E4}">
+                <adec:decorative xmlns:adec="http://schemas.microsoft.com/office/drawing/2017/decorative" val="1"/>
               </a:ext>
             </a:extLst>
           </p:cNvPr>
           <p:cNvSpPr>
-            <a:spLocks noGrp="1"/>
+            <a:spLocks noGrp="1" noRot="1" noChangeAspect="1" noMove="1" noResize="1" noEditPoints="1" noAdjustHandles="1" noChangeArrowheads="1" noChangeShapeType="1" noTextEdit="1"/>
           </p:cNvSpPr>
           <p:nvPr>
-            <p:ph type="title"/>
+            <p:extLst>
+              <p:ext uri="{386F3935-93C4-4BCD-93E2-E3B085C9AB24}">
+                <p16:designElem xmlns:p16="http://schemas.microsoft.com/office/powerpoint/2015/main" val="1"/>
+              </p:ext>
+            </p:extLst>
           </p:nvPr>
         </p:nvSpPr>
-        <p:spPr/>
+        <p:spPr>
+          <a:xfrm>
+            <a:off x="6254749" y="2423160"/>
+            <a:ext cx="5613569" cy="3930315"/>
+          </a:xfrm>
+          <a:prstGeom prst="roundRect">
+            <a:avLst>
+              <a:gd name="adj" fmla="val 0"/>
+            </a:avLst>
+          </a:prstGeom>
+          <a:solidFill>
+            <a:srgbClr val="FFFFFF"/>
+          </a:solidFill>
+          <a:ln w="9525">
+            <a:solidFill>
+              <a:srgbClr val="C8CACA"/>
+            </a:solidFill>
+          </a:ln>
+          <a:effectLst>
+            <a:outerShdw blurRad="57150" dist="19050" dir="5400000" algn="t" rotWithShape="0">
+              <a:prstClr val="black">
+                <a:alpha val="63000"/>
+              </a:prstClr>
+            </a:outerShdw>
+          </a:effectLst>
+        </p:spPr>
+        <p:style>
+          <a:lnRef idx="2">
+            <a:schemeClr val="accent1">
+              <a:shade val="50000"/>
+            </a:schemeClr>
+          </a:lnRef>
+          <a:fillRef idx="1">
+            <a:schemeClr val="accent1"/>
+          </a:fillRef>
+          <a:effectRef idx="0">
+            <a:schemeClr val="accent1"/>
+          </a:effectRef>
+          <a:fontRef idx="minor">
+            <a:schemeClr val="lt1"/>
+          </a:fontRef>
+        </p:style>
         <p:txBody>
-          <a:bodyPr/>
+          <a:bodyPr rtlCol="0" anchor="ctr"/>
           <a:lstStyle/>
           <a:p>
-            <a:r>
-              <a:rPr lang="en-US" dirty="0"/>
-              <a:t>Results enhancement</a:t>
-            </a:r>
-            <a:endParaRPr lang="en-CH" dirty="0"/>
-          </a:p>
-        </p:txBody>
-      </p:sp>
-      <p:sp>
-        <p:nvSpPr>
-          <p:cNvPr id="3" name="Content Placeholder 2">
-            <a:extLst>
-              <a:ext uri="{FF2B5EF4-FFF2-40B4-BE49-F238E27FC236}">
-                <a16:creationId xmlns:a16="http://schemas.microsoft.com/office/drawing/2014/main" id="{1B65ECD5-405F-406C-A7DE-077970E6A609}"/>
-              </a:ext>
-            </a:extLst>
-          </p:cNvPr>
-          <p:cNvSpPr>
-            <a:spLocks noGrp="1"/>
-          </p:cNvSpPr>
-          <p:nvPr>
-            <p:ph idx="1"/>
-          </p:nvPr>
-        </p:nvSpPr>
-        <p:spPr/>
-        <p:txBody>
-          <a:bodyPr/>
-          <a:lstStyle/>
-          <a:p>
-            <a:r>
-              <a:rPr lang="en-US" dirty="0"/>
-              <a:t>Adding general variance</a:t>
-            </a:r>
-          </a:p>
-          <a:p>
-            <a:r>
-              <a:rPr lang="en-US" dirty="0"/>
-              <a:t>New data processing</a:t>
-            </a:r>
-            <a:endParaRPr lang="en-CH" dirty="0"/>
+            <a:pPr algn="ctr"/>
+            <a:endParaRPr lang="en-US"/>
           </a:p>
         </p:txBody>
       </p:sp>
       <p:pic>
         <p:nvPicPr>
-          <p:cNvPr id="5" name="Picture 4" descr="Chart&#10;&#10;Description automatically generated">
+          <p:cNvPr id="5" name="Picture 4" descr="Table&#10;&#10;Description automatically generated">
             <a:extLst>
               <a:ext uri="{FF2B5EF4-FFF2-40B4-BE49-F238E27FC236}">
-                <a16:creationId xmlns:a16="http://schemas.microsoft.com/office/drawing/2014/main" id="{B5A94723-996C-4C5A-8C79-46CDAFAD6B13}"/>
-              </a:ext>
-            </a:extLst>
-          </p:cNvPr>
-          <p:cNvPicPr>
-            <a:picLocks noChangeAspect="1"/>
-          </p:cNvPicPr>
-          <p:nvPr/>
-        </p:nvPicPr>
-        <p:blipFill>
-          <a:blip r:embed="rId2">
-            <a:extLst>
-              <a:ext uri="{28A0092B-C50C-407E-A947-70E740481C1C}">
-                <a14:useLocalDpi xmlns:a14="http://schemas.microsoft.com/office/drawing/2010/main" val="0"/>
-              </a:ext>
-            </a:extLst>
-          </a:blip>
-          <a:stretch>
-            <a:fillRect/>
-          </a:stretch>
-        </p:blipFill>
-        <p:spPr>
-          <a:xfrm>
-            <a:off x="6630156" y="1690688"/>
-            <a:ext cx="4286281" cy="2809896"/>
-          </a:xfrm>
-          <a:prstGeom prst="rect">
-            <a:avLst/>
-          </a:prstGeom>
-        </p:spPr>
-      </p:pic>
-      <p:pic>
-        <p:nvPicPr>
-          <p:cNvPr id="7" name="Picture 6" descr="Table&#10;&#10;Description automatically generated">
-            <a:extLst>
-              <a:ext uri="{FF2B5EF4-FFF2-40B4-BE49-F238E27FC236}">
-                <a16:creationId xmlns:a16="http://schemas.microsoft.com/office/drawing/2014/main" id="{573BCF95-E1D3-459C-8619-C1046170E4FC}"/>
+                <a16:creationId xmlns:a16="http://schemas.microsoft.com/office/drawing/2014/main" id="{4767DD85-7F2D-4160-BF55-DCCFF6879133}"/>
               </a:ext>
             </a:extLst>
           </p:cNvPr>
@@ -11541,18 +12506,54 @@
         </p:blipFill>
         <p:spPr>
           <a:xfrm>
-            <a:off x="942308" y="3318958"/>
-            <a:ext cx="5153692" cy="3353377"/>
+            <a:off x="6578516" y="2773992"/>
+            <a:ext cx="4974336" cy="3233318"/>
           </a:xfrm>
           <a:prstGeom prst="rect">
             <a:avLst/>
           </a:prstGeom>
         </p:spPr>
       </p:pic>
+      <p:sp>
+        <p:nvSpPr>
+          <p:cNvPr id="3" name="TextBox 2">
+            <a:extLst>
+              <a:ext uri="{FF2B5EF4-FFF2-40B4-BE49-F238E27FC236}">
+                <a16:creationId xmlns:a16="http://schemas.microsoft.com/office/drawing/2014/main" id="{2512988B-E008-4C04-8C1D-97D1777E9403}"/>
+              </a:ext>
+            </a:extLst>
+          </p:cNvPr>
+          <p:cNvSpPr txBox="1"/>
+          <p:nvPr/>
+        </p:nvSpPr>
+        <p:spPr>
+          <a:xfrm>
+            <a:off x="417167" y="1495419"/>
+            <a:ext cx="5837582" cy="646331"/>
+          </a:xfrm>
+          <a:prstGeom prst="rect">
+            <a:avLst/>
+          </a:prstGeom>
+          <a:noFill/>
+        </p:spPr>
+        <p:txBody>
+          <a:bodyPr wrap="square" rtlCol="0">
+            <a:spAutoFit/>
+          </a:bodyPr>
+          <a:lstStyle/>
+          <a:p>
+            <a:r>
+              <a:rPr lang="en-US" dirty="0"/>
+              <a:t>In calculations, parameters are correlated to the extreme: they are obtained from the same data per day…</a:t>
+            </a:r>
+            <a:endParaRPr lang="en-CH" dirty="0"/>
+          </a:p>
+        </p:txBody>
+      </p:sp>
     </p:spTree>
     <p:extLst>
       <p:ext uri="{BB962C8B-B14F-4D97-AF65-F5344CB8AC3E}">
-        <p14:creationId xmlns:p14="http://schemas.microsoft.com/office/powerpoint/2010/main" val="2292021679"/>
+        <p14:creationId xmlns:p14="http://schemas.microsoft.com/office/powerpoint/2010/main" val="393489844"/>
       </p:ext>
     </p:extLst>
   </p:cSld>
